--- a/ronbun/src/fig/model/table1.pptx
+++ b/ronbun/src/fig/model/table1.pptx
@@ -259,7 +259,7 @@
           <a:p>
             <a:fld id="{96132B7A-14F9-4B03-9E81-9B4B4A3BEE0D}" type="datetimeFigureOut">
               <a:rPr kumimoji="1" lang="ja-JP" altLang="en-US" smtClean="0"/>
-              <a:t>2021/1/20</a:t>
+              <a:t>2021/1/21</a:t>
             </a:fld>
             <a:endParaRPr kumimoji="1" lang="ja-JP" altLang="en-US"/>
           </a:p>
@@ -489,7 +489,7 @@
           <a:p>
             <a:fld id="{96132B7A-14F9-4B03-9E81-9B4B4A3BEE0D}" type="datetimeFigureOut">
               <a:rPr kumimoji="1" lang="ja-JP" altLang="en-US" smtClean="0"/>
-              <a:t>2021/1/20</a:t>
+              <a:t>2021/1/21</a:t>
             </a:fld>
             <a:endParaRPr kumimoji="1" lang="ja-JP" altLang="en-US"/>
           </a:p>
@@ -729,7 +729,7 @@
           <a:p>
             <a:fld id="{96132B7A-14F9-4B03-9E81-9B4B4A3BEE0D}" type="datetimeFigureOut">
               <a:rPr kumimoji="1" lang="ja-JP" altLang="en-US" smtClean="0"/>
-              <a:t>2021/1/20</a:t>
+              <a:t>2021/1/21</a:t>
             </a:fld>
             <a:endParaRPr kumimoji="1" lang="ja-JP" altLang="en-US"/>
           </a:p>
@@ -959,7 +959,7 @@
           <a:p>
             <a:fld id="{96132B7A-14F9-4B03-9E81-9B4B4A3BEE0D}" type="datetimeFigureOut">
               <a:rPr kumimoji="1" lang="ja-JP" altLang="en-US" smtClean="0"/>
-              <a:t>2021/1/20</a:t>
+              <a:t>2021/1/21</a:t>
             </a:fld>
             <a:endParaRPr kumimoji="1" lang="ja-JP" altLang="en-US"/>
           </a:p>
@@ -1234,7 +1234,7 @@
           <a:p>
             <a:fld id="{96132B7A-14F9-4B03-9E81-9B4B4A3BEE0D}" type="datetimeFigureOut">
               <a:rPr kumimoji="1" lang="ja-JP" altLang="en-US" smtClean="0"/>
-              <a:t>2021/1/20</a:t>
+              <a:t>2021/1/21</a:t>
             </a:fld>
             <a:endParaRPr kumimoji="1" lang="ja-JP" altLang="en-US"/>
           </a:p>
@@ -1563,7 +1563,7 @@
           <a:p>
             <a:fld id="{96132B7A-14F9-4B03-9E81-9B4B4A3BEE0D}" type="datetimeFigureOut">
               <a:rPr kumimoji="1" lang="ja-JP" altLang="en-US" smtClean="0"/>
-              <a:t>2021/1/20</a:t>
+              <a:t>2021/1/21</a:t>
             </a:fld>
             <a:endParaRPr kumimoji="1" lang="ja-JP" altLang="en-US"/>
           </a:p>
@@ -2039,7 +2039,7 @@
           <a:p>
             <a:fld id="{96132B7A-14F9-4B03-9E81-9B4B4A3BEE0D}" type="datetimeFigureOut">
               <a:rPr kumimoji="1" lang="ja-JP" altLang="en-US" smtClean="0"/>
-              <a:t>2021/1/20</a:t>
+              <a:t>2021/1/21</a:t>
             </a:fld>
             <a:endParaRPr kumimoji="1" lang="ja-JP" altLang="en-US"/>
           </a:p>
@@ -2180,7 +2180,7 @@
           <a:p>
             <a:fld id="{96132B7A-14F9-4B03-9E81-9B4B4A3BEE0D}" type="datetimeFigureOut">
               <a:rPr kumimoji="1" lang="ja-JP" altLang="en-US" smtClean="0"/>
-              <a:t>2021/1/20</a:t>
+              <a:t>2021/1/21</a:t>
             </a:fld>
             <a:endParaRPr kumimoji="1" lang="ja-JP" altLang="en-US"/>
           </a:p>
@@ -2293,7 +2293,7 @@
           <a:p>
             <a:fld id="{96132B7A-14F9-4B03-9E81-9B4B4A3BEE0D}" type="datetimeFigureOut">
               <a:rPr kumimoji="1" lang="ja-JP" altLang="en-US" smtClean="0"/>
-              <a:t>2021/1/20</a:t>
+              <a:t>2021/1/21</a:t>
             </a:fld>
             <a:endParaRPr kumimoji="1" lang="ja-JP" altLang="en-US"/>
           </a:p>
@@ -2636,7 +2636,7 @@
           <a:p>
             <a:fld id="{96132B7A-14F9-4B03-9E81-9B4B4A3BEE0D}" type="datetimeFigureOut">
               <a:rPr kumimoji="1" lang="ja-JP" altLang="en-US" smtClean="0"/>
-              <a:t>2021/1/20</a:t>
+              <a:t>2021/1/21</a:t>
             </a:fld>
             <a:endParaRPr kumimoji="1" lang="ja-JP" altLang="en-US"/>
           </a:p>
@@ -2924,7 +2924,7 @@
           <a:p>
             <a:fld id="{96132B7A-14F9-4B03-9E81-9B4B4A3BEE0D}" type="datetimeFigureOut">
               <a:rPr kumimoji="1" lang="ja-JP" altLang="en-US" smtClean="0"/>
-              <a:t>2021/1/20</a:t>
+              <a:t>2021/1/21</a:t>
             </a:fld>
             <a:endParaRPr kumimoji="1" lang="ja-JP" altLang="en-US"/>
           </a:p>
@@ -3197,7 +3197,7 @@
           <a:p>
             <a:fld id="{96132B7A-14F9-4B03-9E81-9B4B4A3BEE0D}" type="datetimeFigureOut">
               <a:rPr kumimoji="1" lang="ja-JP" altLang="en-US" smtClean="0"/>
-              <a:t>2021/1/20</a:t>
+              <a:t>2021/1/21</a:t>
             </a:fld>
             <a:endParaRPr kumimoji="1" lang="ja-JP" altLang="en-US"/>
           </a:p>
@@ -3631,7 +3631,7 @@
               <p:nvPr>
                 <p:extLst>
                   <p:ext uri="{D42A27DB-BD31-4B8C-83A1-F6EECF244321}">
-                    <p14:modId xmlns:p14="http://schemas.microsoft.com/office/powerpoint/2010/main" val="3180575808"/>
+                    <p14:modId xmlns:p14="http://schemas.microsoft.com/office/powerpoint/2010/main" val="915979902"/>
                   </p:ext>
                 </p:extLst>
               </p:nvPr>
@@ -4095,13 +4095,16 @@
                                 </m:e>
                                 <m:sub>
                                   <m:r>
-                                    <a:rPr kumimoji="1" lang="en-US" altLang="ja-JP" sz="1400" b="0" i="1" smtClean="0">
+                                    <m:rPr>
+                                      <m:sty m:val="p"/>
+                                    </m:rPr>
+                                    <a:rPr kumimoji="1" lang="en-US" altLang="ja-JP" sz="1400" b="0" i="0" smtClean="0">
                                       <a:solidFill>
                                         <a:sysClr val="windowText" lastClr="000000"/>
                                       </a:solidFill>
                                       <a:latin typeface="Cambria Math" panose="02040503050406030204" pitchFamily="18" charset="0"/>
                                     </a:rPr>
-                                    <m:t>𝑚𝑎𝑠𝑠</m:t>
+                                    <m:t>mass</m:t>
                                   </m:r>
                                 </m:sub>
                               </m:sSub>
@@ -4614,7 +4617,7 @@
               <p:nvPr>
                 <p:extLst>
                   <p:ext uri="{D42A27DB-BD31-4B8C-83A1-F6EECF244321}">
-                    <p14:modId xmlns:p14="http://schemas.microsoft.com/office/powerpoint/2010/main" val="3180575808"/>
+                    <p14:modId xmlns:p14="http://schemas.microsoft.com/office/powerpoint/2010/main" val="915979902"/>
                   </p:ext>
                 </p:extLst>
               </p:nvPr>
